--- a/Latex/ppts/imagingprocess.pptx
+++ b/Latex/ppts/imagingprocess.pptx
@@ -104,6 +104,11 @@
       </a:defRPr>
     </a:lvl9pPr>
   </p:defaultTextStyle>
+  <p:extLst>
+    <p:ext uri="{EFAFB233-063F-42B5-8137-9DF3F51BA10A}">
+      <p15:sldGuideLst xmlns:p15="http://schemas.microsoft.com/office/powerpoint/2012/main"/>
+    </p:ext>
+  </p:extLst>
 </p:presentation>
 </file>
 
@@ -238,7 +243,7 @@
           <a:p>
             <a:fld id="{05686044-F2FA-FF4D-ACA0-2D853C1DC647}" type="datetimeFigureOut">
               <a:rPr lang="en-US" smtClean="0"/>
-              <a:t>6/16/18</a:t>
+              <a:t>7/20/18</a:t>
             </a:fld>
             <a:endParaRPr lang="en-US"/>
           </a:p>
@@ -408,7 +413,7 @@
           <a:p>
             <a:fld id="{05686044-F2FA-FF4D-ACA0-2D853C1DC647}" type="datetimeFigureOut">
               <a:rPr lang="en-US" smtClean="0"/>
-              <a:t>6/16/18</a:t>
+              <a:t>7/20/18</a:t>
             </a:fld>
             <a:endParaRPr lang="en-US"/>
           </a:p>
@@ -588,7 +593,7 @@
           <a:p>
             <a:fld id="{05686044-F2FA-FF4D-ACA0-2D853C1DC647}" type="datetimeFigureOut">
               <a:rPr lang="en-US" smtClean="0"/>
-              <a:t>6/16/18</a:t>
+              <a:t>7/20/18</a:t>
             </a:fld>
             <a:endParaRPr lang="en-US"/>
           </a:p>
@@ -758,7 +763,7 @@
           <a:p>
             <a:fld id="{05686044-F2FA-FF4D-ACA0-2D853C1DC647}" type="datetimeFigureOut">
               <a:rPr lang="en-US" smtClean="0"/>
-              <a:t>6/16/18</a:t>
+              <a:t>7/20/18</a:t>
             </a:fld>
             <a:endParaRPr lang="en-US"/>
           </a:p>
@@ -1004,7 +1009,7 @@
           <a:p>
             <a:fld id="{05686044-F2FA-FF4D-ACA0-2D853C1DC647}" type="datetimeFigureOut">
               <a:rPr lang="en-US" smtClean="0"/>
-              <a:t>6/16/18</a:t>
+              <a:t>7/20/18</a:t>
             </a:fld>
             <a:endParaRPr lang="en-US"/>
           </a:p>
@@ -1236,7 +1241,7 @@
           <a:p>
             <a:fld id="{05686044-F2FA-FF4D-ACA0-2D853C1DC647}" type="datetimeFigureOut">
               <a:rPr lang="en-US" smtClean="0"/>
-              <a:t>6/16/18</a:t>
+              <a:t>7/20/18</a:t>
             </a:fld>
             <a:endParaRPr lang="en-US"/>
           </a:p>
@@ -1603,7 +1608,7 @@
           <a:p>
             <a:fld id="{05686044-F2FA-FF4D-ACA0-2D853C1DC647}" type="datetimeFigureOut">
               <a:rPr lang="en-US" smtClean="0"/>
-              <a:t>6/16/18</a:t>
+              <a:t>7/20/18</a:t>
             </a:fld>
             <a:endParaRPr lang="en-US"/>
           </a:p>
@@ -1721,7 +1726,7 @@
           <a:p>
             <a:fld id="{05686044-F2FA-FF4D-ACA0-2D853C1DC647}" type="datetimeFigureOut">
               <a:rPr lang="en-US" smtClean="0"/>
-              <a:t>6/16/18</a:t>
+              <a:t>7/20/18</a:t>
             </a:fld>
             <a:endParaRPr lang="en-US"/>
           </a:p>
@@ -1816,7 +1821,7 @@
           <a:p>
             <a:fld id="{05686044-F2FA-FF4D-ACA0-2D853C1DC647}" type="datetimeFigureOut">
               <a:rPr lang="en-US" smtClean="0"/>
-              <a:t>6/16/18</a:t>
+              <a:t>7/20/18</a:t>
             </a:fld>
             <a:endParaRPr lang="en-US"/>
           </a:p>
@@ -2093,7 +2098,7 @@
           <a:p>
             <a:fld id="{05686044-F2FA-FF4D-ACA0-2D853C1DC647}" type="datetimeFigureOut">
               <a:rPr lang="en-US" smtClean="0"/>
-              <a:t>6/16/18</a:t>
+              <a:t>7/20/18</a:t>
             </a:fld>
             <a:endParaRPr lang="en-US"/>
           </a:p>
@@ -2346,7 +2351,7 @@
           <a:p>
             <a:fld id="{05686044-F2FA-FF4D-ACA0-2D853C1DC647}" type="datetimeFigureOut">
               <a:rPr lang="en-US" smtClean="0"/>
-              <a:t>6/16/18</a:t>
+              <a:t>7/20/18</a:t>
             </a:fld>
             <a:endParaRPr lang="en-US"/>
           </a:p>
@@ -2559,7 +2564,7 @@
           <a:p>
             <a:fld id="{05686044-F2FA-FF4D-ACA0-2D853C1DC647}" type="datetimeFigureOut">
               <a:rPr lang="en-US" smtClean="0"/>
-              <a:t>6/16/18</a:t>
+              <a:t>7/20/18</a:t>
             </a:fld>
             <a:endParaRPr lang="en-US"/>
           </a:p>
@@ -2986,7 +2991,7 @@
         </p:blipFill>
         <p:spPr>
           <a:xfrm>
-            <a:off x="3982659" y="2209800"/>
+            <a:off x="4016457" y="2078136"/>
             <a:ext cx="1991482" cy="1672845"/>
           </a:xfrm>
           <a:prstGeom prst="rect">
@@ -3016,8 +3021,8 @@
         </p:blipFill>
         <p:spPr>
           <a:xfrm>
-            <a:off x="292100" y="1452372"/>
-            <a:ext cx="2794000" cy="3187700"/>
+            <a:off x="1414388" y="1741803"/>
+            <a:ext cx="2184400" cy="2492202"/>
           </a:xfrm>
           <a:prstGeom prst="rect">
             <a:avLst/>
@@ -3046,8 +3051,8 @@
         </p:blipFill>
         <p:spPr>
           <a:xfrm>
-            <a:off x="6870700" y="2174684"/>
-            <a:ext cx="2324100" cy="1743075"/>
+            <a:off x="6219948" y="2124265"/>
+            <a:ext cx="2107444" cy="1580583"/>
           </a:xfrm>
           <a:prstGeom prst="rect">
             <a:avLst/>
@@ -3076,8 +3081,8 @@
         </p:blipFill>
         <p:spPr>
           <a:xfrm>
-            <a:off x="1233261" y="2357444"/>
-            <a:ext cx="1016000" cy="762000"/>
+            <a:off x="2013702" y="2359633"/>
+            <a:ext cx="995085" cy="746314"/>
           </a:xfrm>
           <a:prstGeom prst="rect">
             <a:avLst/>
@@ -3087,15 +3092,13 @@
       <p:cxnSp>
         <p:nvCxnSpPr>
           <p:cNvPr id="9" name="Straight Arrow Connector 8"/>
-          <p:cNvCxnSpPr>
-            <a:endCxn id="4" idx="1"/>
-          </p:cNvCxnSpPr>
+          <p:cNvCxnSpPr/>
           <p:nvPr/>
         </p:nvCxnSpPr>
         <p:spPr>
           <a:xfrm>
-            <a:off x="2810933" y="3046221"/>
-            <a:ext cx="1171726" cy="2"/>
+            <a:off x="3362553" y="2803261"/>
+            <a:ext cx="636060" cy="0"/>
           </a:xfrm>
           <a:prstGeom prst="straightConnector1">
             <a:avLst/>
@@ -3134,7 +3137,7 @@
         </p:nvSpPr>
         <p:spPr>
           <a:xfrm>
-            <a:off x="2954867" y="2738444"/>
+            <a:off x="3276845" y="2479872"/>
             <a:ext cx="876300" cy="307777"/>
           </a:xfrm>
           <a:prstGeom prst="rect">
@@ -3150,10 +3153,10 @@
           <a:p>
             <a:pPr algn="ctr"/>
             <a:r>
-              <a:rPr lang="en-US" sz="1400" dirty="0" smtClean="0"/>
+              <a:rPr lang="en-US" sz="1400" b="1" dirty="0" smtClean="0"/>
               <a:t>250mm</a:t>
             </a:r>
-            <a:endParaRPr lang="en-US" sz="1400" dirty="0"/>
+            <a:endParaRPr lang="en-US" sz="1400" b="1" dirty="0"/>
           </a:p>
         </p:txBody>
       </p:sp>
@@ -3168,8 +3171,8 @@
         </p:nvCxnSpPr>
         <p:spPr>
           <a:xfrm flipV="1">
-            <a:off x="5974141" y="3046222"/>
-            <a:ext cx="896559" cy="1"/>
+            <a:off x="6007939" y="2914557"/>
+            <a:ext cx="212009" cy="2"/>
           </a:xfrm>
           <a:prstGeom prst="straightConnector1">
             <a:avLst/>
@@ -3208,9 +3211,9 @@
           <p:nvPr/>
         </p:nvCxnSpPr>
         <p:spPr>
-          <a:xfrm flipV="1">
-            <a:off x="9194800" y="3046221"/>
-            <a:ext cx="863600" cy="1"/>
+          <a:xfrm>
+            <a:off x="8327392" y="2914557"/>
+            <a:ext cx="360130" cy="0"/>
           </a:xfrm>
           <a:prstGeom prst="straightConnector1">
             <a:avLst/>
@@ -3248,8 +3251,8 @@
         </p:nvSpPr>
         <p:spPr>
           <a:xfrm>
-            <a:off x="7473950" y="1655572"/>
-            <a:ext cx="1117600" cy="369332"/>
+            <a:off x="6676599" y="1726058"/>
+            <a:ext cx="1194142" cy="400110"/>
           </a:xfrm>
           <a:prstGeom prst="rect">
             <a:avLst/>
@@ -3264,10 +3267,10 @@
           <a:p>
             <a:pPr algn="ctr"/>
             <a:r>
-              <a:rPr lang="en-US" dirty="0" smtClean="0"/>
+              <a:rPr lang="en-US" sz="2000" dirty="0" smtClean="0"/>
               <a:t>640x480</a:t>
             </a:r>
-            <a:endParaRPr lang="en-US" dirty="0"/>
+            <a:endParaRPr lang="en-US" sz="2000" dirty="0"/>
           </a:p>
         </p:txBody>
       </p:sp>
@@ -3279,7 +3282,7 @@
         </p:nvSpPr>
         <p:spPr>
           <a:xfrm>
-            <a:off x="10091359" y="2170810"/>
+            <a:off x="8753289" y="2078136"/>
             <a:ext cx="1049866" cy="836421"/>
           </a:xfrm>
           <a:prstGeom prst="rect">
@@ -3319,7 +3322,7 @@
         </p:nvSpPr>
         <p:spPr>
           <a:xfrm>
-            <a:off x="10243759" y="2323210"/>
+            <a:off x="8905689" y="2230536"/>
             <a:ext cx="1049866" cy="836421"/>
           </a:xfrm>
           <a:prstGeom prst="rect">
@@ -3359,7 +3362,7 @@
         </p:nvSpPr>
         <p:spPr>
           <a:xfrm>
-            <a:off x="10396159" y="2475610"/>
+            <a:off x="9058089" y="2382936"/>
             <a:ext cx="1049866" cy="836421"/>
           </a:xfrm>
           <a:prstGeom prst="rect">
@@ -3399,7 +3402,7 @@
         </p:nvSpPr>
         <p:spPr>
           <a:xfrm>
-            <a:off x="10548559" y="2628010"/>
+            <a:off x="9210489" y="2535336"/>
             <a:ext cx="1049866" cy="836421"/>
           </a:xfrm>
           <a:prstGeom prst="rect">
@@ -3439,8 +3442,8 @@
         </p:nvSpPr>
         <p:spPr>
           <a:xfrm>
-            <a:off x="10243759" y="3728756"/>
-            <a:ext cx="1709358" cy="307777"/>
+            <a:off x="8607183" y="3603096"/>
+            <a:ext cx="1951678" cy="400110"/>
           </a:xfrm>
           <a:prstGeom prst="rect">
             <a:avLst/>
@@ -3455,10 +3458,10 @@
           <a:p>
             <a:pPr algn="ctr"/>
             <a:r>
-              <a:rPr lang="en-US" sz="1400" dirty="0" smtClean="0"/>
+              <a:rPr lang="en-US" sz="2000" dirty="0" smtClean="0"/>
               <a:t>~70,000 images</a:t>
             </a:r>
-            <a:endParaRPr lang="en-US" sz="1400" dirty="0"/>
+            <a:endParaRPr lang="en-US" sz="2000" dirty="0"/>
           </a:p>
         </p:txBody>
       </p:sp>
@@ -3470,7 +3473,7 @@
         </p:nvSpPr>
         <p:spPr>
           <a:xfrm>
-            <a:off x="10700959" y="2780410"/>
+            <a:off x="9362889" y="2687736"/>
             <a:ext cx="1049866" cy="836421"/>
           </a:xfrm>
           <a:prstGeom prst="rect">
